--- a/docs/praesi_03_Advanced_Eng.pptx
+++ b/docs/praesi_03_Advanced_Eng.pptx
@@ -234,7 +234,7 @@
             <a:pPr rtl="0"/>
             <a:fld id="{07CFCBDB-CE23-4A46-8A7E-6C2C614BBF12}" type="datetime1">
               <a:rPr lang="de-DE" smtClean="0"/>
-              <a:t>15.11.2022</a:t>
+              <a:t>17.11.22</a:t>
             </a:fld>
             <a:endParaRPr lang="de-DE"/>
           </a:p>
@@ -314,7 +314,7 @@
             <a:pPr rtl="0"/>
             <a:fld id="{1D7D5C99-9F83-458D-90B6-E6ED176E747E}" type="slidenum">
               <a:rPr lang="de-DE" smtClean="0"/>
-              <a:t>‹Nr.›</a:t>
+              <a:t>‹#›</a:t>
             </a:fld>
             <a:endParaRPr lang="de-DE"/>
           </a:p>
@@ -416,7 +416,7 @@
             <a:fld id="{8A4D433C-8C94-4438-9FB2-5160324843B4}" type="datetime1">
               <a:rPr lang="de-DE" smtClean="0"/>
               <a:pPr/>
-              <a:t>15.11.2022</a:t>
+              <a:t>17.11.22</a:t>
             </a:fld>
             <a:endParaRPr lang="de-DE"/>
           </a:p>
@@ -577,7 +577,7 @@
             <a:pPr rtl="0"/>
             <a:fld id="{499B8ACA-7904-40BD-B38E-FD81EA5319F6}" type="slidenum">
               <a:rPr lang="de-DE" noProof="0" smtClean="0"/>
-              <a:t>‹Nr.›</a:t>
+              <a:t>‹#›</a:t>
             </a:fld>
             <a:endParaRPr lang="de-DE" noProof="0"/>
           </a:p>
@@ -29449,7 +29449,7 @@
             <a:pPr rtl="0"/>
             <a:fld id="{6337A45D-1E15-438C-9090-998E3A40A1C9}" type="datetime1">
               <a:rPr lang="de-DE" noProof="0" smtClean="0"/>
-              <a:t>15.11.2022</a:t>
+              <a:t>17.11.22</a:t>
             </a:fld>
             <a:endParaRPr lang="de-DE" noProof="0"/>
           </a:p>
@@ -29541,7 +29541,7 @@
             <a:pPr rtl="0"/>
             <a:fld id="{745CA84A-544F-4B6B-BC9A-925394EE73B5}" type="slidenum">
               <a:rPr lang="de-DE" noProof="0" smtClean="0"/>
-              <a:t>‹Nr.›</a:t>
+              <a:t>‹#›</a:t>
             </a:fld>
             <a:endParaRPr lang="de-DE" noProof="0"/>
           </a:p>
@@ -31368,8 +31368,8 @@
         </p:nvSpPr>
         <p:spPr>
           <a:xfrm>
-            <a:off x="4211515" y="2274838"/>
-            <a:ext cx="7209692" cy="2031325"/>
+            <a:off x="4211515" y="2686318"/>
+            <a:ext cx="7209692" cy="2950038"/>
           </a:xfrm>
           <a:prstGeom prst="rect">
             <a:avLst/>
@@ -31383,6 +31383,9 @@
           <a:lstStyle/>
           <a:p>
             <a:pPr marL="285750" indent="-285750">
+              <a:lnSpc>
+                <a:spcPct val="150000"/>
+              </a:lnSpc>
               <a:buFont typeface="Arial" panose="020B0604020202020204" pitchFamily="34" charset="0"/>
               <a:buChar char="•"/>
             </a:pPr>
@@ -31401,6 +31404,9 @@
           </a:p>
           <a:p>
             <a:pPr marL="285750" indent="-285750">
+              <a:lnSpc>
+                <a:spcPct val="150000"/>
+              </a:lnSpc>
               <a:buFont typeface="Arial" panose="020B0604020202020204" pitchFamily="34" charset="0"/>
               <a:buChar char="•"/>
             </a:pPr>
@@ -31411,6 +31417,9 @@
           </a:p>
           <a:p>
             <a:pPr marL="285750" indent="-285750">
+              <a:lnSpc>
+                <a:spcPct val="150000"/>
+              </a:lnSpc>
               <a:buFont typeface="Arial" panose="020B0604020202020204" pitchFamily="34" charset="0"/>
               <a:buChar char="•"/>
             </a:pPr>
@@ -31425,6 +31434,9 @@
           </a:p>
           <a:p>
             <a:pPr marL="285750" indent="-285750">
+              <a:lnSpc>
+                <a:spcPct val="150000"/>
+              </a:lnSpc>
               <a:buFont typeface="Arial" panose="020B0604020202020204" pitchFamily="34" charset="0"/>
               <a:buChar char="•"/>
             </a:pPr>
@@ -31440,6 +31452,9 @@
           </a:p>
           <a:p>
             <a:pPr marL="285750" indent="-285750">
+              <a:lnSpc>
+                <a:spcPct val="150000"/>
+              </a:lnSpc>
               <a:buFont typeface="Arial" panose="020B0604020202020204" pitchFamily="34" charset="0"/>
               <a:buChar char="•"/>
             </a:pPr>
@@ -31450,6 +31465,9 @@
           </a:p>
           <a:p>
             <a:pPr marL="742950" lvl="1" indent="-285750">
+              <a:lnSpc>
+                <a:spcPct val="150000"/>
+              </a:lnSpc>
               <a:buFont typeface="Arial" panose="020B0604020202020204" pitchFamily="34" charset="0"/>
               <a:buChar char="•"/>
             </a:pPr>
@@ -31460,6 +31478,9 @@
           </a:p>
           <a:p>
             <a:pPr marL="285750" indent="-285750">
+              <a:lnSpc>
+                <a:spcPct val="150000"/>
+              </a:lnSpc>
               <a:buFont typeface="Arial" panose="020B0604020202020204" pitchFamily="34" charset="0"/>
               <a:buChar char="•"/>
             </a:pPr>

--- a/docs/praesi_03_Advanced_Eng.pptx
+++ b/docs/praesi_03_Advanced_Eng.pptx
@@ -234,7 +234,7 @@
             <a:pPr rtl="0"/>
             <a:fld id="{07CFCBDB-CE23-4A46-8A7E-6C2C614BBF12}" type="datetime1">
               <a:rPr lang="de-DE" smtClean="0"/>
-              <a:t>17.11.22</a:t>
+              <a:t>18.11.22</a:t>
             </a:fld>
             <a:endParaRPr lang="de-DE"/>
           </a:p>
@@ -903,7 +903,23 @@
           <a:bodyPr/>
           <a:lstStyle/>
           <a:p>
-            <a:endParaRPr lang="de-DE"/>
+            <a:r>
+              <a:rPr lang="de-DE" dirty="0" err="1"/>
+              <a:t>Codebase</a:t>
+            </a:r>
+            <a:r>
+              <a:rPr lang="de-DE" dirty="0"/>
+              <a:t>-Stand immer aktuell</a:t>
+            </a:r>
+          </a:p>
+          <a:p>
+            <a:endParaRPr lang="de-DE" dirty="0"/>
+          </a:p>
+          <a:p>
+            <a:r>
+              <a:rPr lang="de-DE" dirty="0"/>
+              <a:t>Automatische API-Dokumentation durch Anmerkungen im Code</a:t>
+            </a:r>
           </a:p>
         </p:txBody>
       </p:sp>
@@ -1073,7 +1089,7 @@
           <a:bodyPr/>
           <a:lstStyle/>
           <a:p>
-            <a:endParaRPr lang="de-DE"/>
+            <a:endParaRPr lang="de-DE" dirty="0"/>
           </a:p>
         </p:txBody>
       </p:sp>
@@ -31647,12 +31663,8 @@
               <a:buChar char="•"/>
             </a:pPr>
             <a:r>
-              <a:rPr lang="de-DE" dirty="0" err="1"/>
-              <a:t>Opt</a:t>
-            </a:r>
-            <a:r>
               <a:rPr lang="de-DE" dirty="0"/>
-              <a:t>.: Implementierung verteilt auf mehreren Clustern bzw. Standorten</a:t>
+              <a:t>Optional: Instanzen verteilt auf mehrere Cluster bzw. Standorte</a:t>
             </a:r>
           </a:p>
           <a:p>
@@ -31677,12 +31689,8 @@
               <a:buChar char="•"/>
             </a:pPr>
             <a:r>
-              <a:rPr lang="de-DE"/>
-              <a:t>Ausgangszustand</a:t>
-            </a:r>
-            <a:r>
               <a:rPr lang="de-DE" dirty="0"/>
-              <a:t>: eine Instanz </a:t>
+              <a:t>Ausgangszustand: eine Instanz </a:t>
             </a:r>
           </a:p>
           <a:p>
